--- a/vignettes/bioc20_enrichOmics_slides.pptx
+++ b/vignettes/bioc20_enrichOmics_slides.pptx
@@ -3838,7 +3838,7 @@
           <a:p>
             <a:r>
               <a:rPr lang="en-US" sz="2200" dirty="0"/>
-              <a:t>This year: 30 min overview / orientation / demo + 25 min Q&amp;A</a:t>
+              <a:t>This year: 35 min overview / orientation / demo + 20 min Q&amp;A</a:t>
             </a:r>
           </a:p>
           <a:p>
@@ -20514,13 +20514,19 @@
           <a:p>
             <a:r>
               <a:rPr lang="en-US" sz="2200" dirty="0"/>
+              <a:t>directional vs. mixed hypothesis</a:t>
+            </a:r>
+          </a:p>
+          <a:p>
+            <a:r>
+              <a:rPr lang="en-US" sz="2200" dirty="0"/>
               <a:t>sample groups vs. single samples</a:t>
             </a:r>
           </a:p>
           <a:p>
             <a:r>
               <a:rPr lang="en-US" sz="2200" dirty="0"/>
-              <a:t>2-group comparison vs. extended experiment designs</a:t>
+              <a:t>2-group comparison vs. extended experimental designs</a:t>
             </a:r>
           </a:p>
           <a:p>
@@ -20530,12 +20536,9 @@
             </a:r>
           </a:p>
           <a:p>
-            <a:r>
-              <a:rPr lang="en-US" sz="2200" dirty="0"/>
-              <a:t>directional vs. mixed hypothesis</a:t>
-            </a:r>
-          </a:p>
-          <a:p>
+            <a:pPr marL="0" indent="0">
+              <a:buNone/>
+            </a:pPr>
             <a:endParaRPr lang="en-US" sz="2200" dirty="0"/>
           </a:p>
           <a:p>

--- a/vignettes/bioc20_enrichOmics_slides.pptx
+++ b/vignettes/bioc20_enrichOmics_slides.pptx
@@ -8,8 +8,8 @@
     <p:notesMasterId r:id="rId35"/>
   </p:notesMasterIdLst>
   <p:sldIdLst>
-    <p:sldId id="518" r:id="rId2"/>
-    <p:sldId id="256" r:id="rId3"/>
+    <p:sldId id="256" r:id="rId2"/>
+    <p:sldId id="518" r:id="rId3"/>
     <p:sldId id="445" r:id="rId4"/>
     <p:sldId id="505" r:id="rId5"/>
     <p:sldId id="464" r:id="rId6"/>
@@ -3781,48 +3781,12 @@
       </p:grpSpPr>
       <p:sp>
         <p:nvSpPr>
-          <p:cNvPr id="2" name="Title 1">
-            <a:extLst>
-              <a:ext uri="{FF2B5EF4-FFF2-40B4-BE49-F238E27FC236}">
-                <a16:creationId xmlns:a16="http://schemas.microsoft.com/office/drawing/2014/main" id="{136918E8-92C6-CE4F-882B-B49EF2CE396B}"/>
-              </a:ext>
-            </a:extLst>
-          </p:cNvPr>
+          <p:cNvPr id="2" name="Titel 1"/>
           <p:cNvSpPr>
             <a:spLocks noGrp="1"/>
           </p:cNvSpPr>
           <p:nvPr>
-            <p:ph type="title"/>
-          </p:nvPr>
-        </p:nvSpPr>
-        <p:spPr/>
-        <p:txBody>
-          <a:bodyPr>
-            <a:normAutofit/>
-          </a:bodyPr>
-          <a:lstStyle/>
-          <a:p>
-            <a:r>
-              <a:rPr lang="en-US" sz="3200" dirty="0"/>
-              <a:t>Workshop format</a:t>
-            </a:r>
-          </a:p>
-        </p:txBody>
-      </p:sp>
-      <p:sp>
-        <p:nvSpPr>
-          <p:cNvPr id="3" name="Content Placeholder 2">
-            <a:extLst>
-              <a:ext uri="{FF2B5EF4-FFF2-40B4-BE49-F238E27FC236}">
-                <a16:creationId xmlns:a16="http://schemas.microsoft.com/office/drawing/2014/main" id="{24F50B40-B8F3-194B-828D-0A1B3819DF23}"/>
-              </a:ext>
-            </a:extLst>
-          </p:cNvPr>
-          <p:cNvSpPr>
-            <a:spLocks noGrp="1"/>
-          </p:cNvSpPr>
-          <p:nvPr>
-            <p:ph idx="1"/>
+            <p:ph type="ctrTitle"/>
           </p:nvPr>
         </p:nvSpPr>
         <p:spPr/>
@@ -3831,86 +3795,216 @@
           <a:lstStyle/>
           <a:p>
             <a:r>
-              <a:rPr lang="en-US" sz="2200" dirty="0"/>
-              <a:t>Typically 2h workshop with hands-on + looking-over-the-shoulder experience</a:t>
-            </a:r>
-          </a:p>
-          <a:p>
-            <a:r>
-              <a:rPr lang="en-US" sz="2200" dirty="0"/>
-              <a:t>This year: 35 min overview / orientation / demo + 20 min Q&amp;A</a:t>
-            </a:r>
-          </a:p>
-          <a:p>
-            <a:endParaRPr lang="en-US" dirty="0"/>
-          </a:p>
-          <a:p>
-            <a:r>
-              <a:rPr lang="en-US" sz="2200" dirty="0"/>
-              <a:t>Should not prevent you from trying things out:</a:t>
-            </a:r>
-            <a:endParaRPr lang="en-US" sz="1800" dirty="0"/>
-          </a:p>
-          <a:p>
-            <a:pPr lvl="1"/>
-            <a:r>
-              <a:rPr lang="en-US" sz="1800" dirty="0">
-                <a:hlinkClick r:id="rId2"/>
-              </a:rPr>
-              <a:t>https://github.com/waldronlab/enrichOmics/issues</a:t>
-            </a:r>
-            <a:endParaRPr lang="en-US" sz="1800" dirty="0"/>
-          </a:p>
-          <a:p>
-            <a:pPr lvl="1"/>
-            <a:r>
-              <a:rPr lang="en-US" sz="1800" dirty="0">
-                <a:hlinkClick r:id="rId3"/>
-              </a:rPr>
-              <a:t>https://github.com/lgeistlinger/EnrichmentBrowser/issues</a:t>
-            </a:r>
-            <a:endParaRPr lang="en-US" sz="1800" dirty="0"/>
-          </a:p>
-          <a:p>
-            <a:pPr lvl="1"/>
-            <a:endParaRPr lang="en-US" sz="1800" dirty="0"/>
-          </a:p>
-          <a:p>
-            <a:pPr lvl="1"/>
-            <a:r>
-              <a:rPr lang="en-US" sz="1800" dirty="0">
-                <a:hlinkClick r:id="rId4"/>
-              </a:rPr>
-              <a:t>ludwig.geistlinger@sph.cuny.edu</a:t>
-            </a:r>
-            <a:endParaRPr lang="en-US" sz="1800" dirty="0"/>
-          </a:p>
-          <a:p>
-            <a:pPr lvl="1"/>
-            <a:r>
-              <a:rPr lang="en-US" sz="1800" dirty="0"/>
-              <a:t>Slack: community-</a:t>
-            </a:r>
-            <a:r>
-              <a:rPr lang="en-US" sz="1800" dirty="0" err="1"/>
-              <a:t>bioc.slack.com</a:t>
-            </a:r>
-            <a:endParaRPr lang="en-US" sz="1800" dirty="0"/>
-          </a:p>
-          <a:p>
-            <a:pPr lvl="1"/>
-            <a:endParaRPr lang="en-US" sz="1800" dirty="0"/>
-          </a:p>
-          <a:p>
-            <a:pPr lvl="1"/>
-            <a:endParaRPr lang="en-US" dirty="0"/>
+              <a:rPr lang="de-DE" sz="2400" cap="none" dirty="0" err="1">
+                <a:cs typeface="Arial"/>
+              </a:rPr>
+              <a:t>Functional</a:t>
+            </a:r>
+            <a:r>
+              <a:rPr lang="de-DE" sz="2400" cap="none" dirty="0">
+                <a:cs typeface="Arial"/>
+              </a:rPr>
+              <a:t> </a:t>
+            </a:r>
+            <a:r>
+              <a:rPr lang="de-DE" sz="2400" cap="none" dirty="0" err="1">
+                <a:cs typeface="Arial"/>
+              </a:rPr>
+              <a:t>enrichment</a:t>
+            </a:r>
+            <a:r>
+              <a:rPr lang="de-DE" sz="2400" cap="none" dirty="0">
+                <a:cs typeface="Arial"/>
+              </a:rPr>
+              <a:t> </a:t>
+            </a:r>
+            <a:r>
+              <a:rPr lang="de-DE" sz="2400" cap="none" dirty="0" err="1">
+                <a:cs typeface="Arial"/>
+              </a:rPr>
+              <a:t>analysis</a:t>
+            </a:r>
+            <a:r>
+              <a:rPr lang="de-DE" sz="2400" cap="none" dirty="0">
+                <a:cs typeface="Arial"/>
+              </a:rPr>
+              <a:t> </a:t>
+            </a:r>
+            <a:r>
+              <a:rPr lang="de-DE" sz="2400" cap="none" dirty="0" err="1">
+                <a:cs typeface="Arial"/>
+              </a:rPr>
+              <a:t>of</a:t>
+            </a:r>
+            <a:r>
+              <a:rPr lang="de-DE" sz="2400" cap="none" dirty="0">
+                <a:cs typeface="Arial"/>
+              </a:rPr>
+              <a:t> high-</a:t>
+            </a:r>
+            <a:r>
+              <a:rPr lang="de-DE" sz="2400" cap="none" dirty="0" err="1">
+                <a:cs typeface="Arial"/>
+              </a:rPr>
+              <a:t>throughput</a:t>
+            </a:r>
+            <a:r>
+              <a:rPr lang="de-DE" sz="2400" cap="none" dirty="0">
+                <a:cs typeface="Arial"/>
+              </a:rPr>
+              <a:t> </a:t>
+            </a:r>
+            <a:r>
+              <a:rPr lang="de-DE" sz="2400" cap="none" dirty="0" err="1">
+                <a:cs typeface="Arial"/>
+              </a:rPr>
+              <a:t>omics</a:t>
+            </a:r>
+            <a:r>
+              <a:rPr lang="de-DE" sz="2400" cap="none" dirty="0">
+                <a:cs typeface="Arial"/>
+              </a:rPr>
+              <a:t> </a:t>
+            </a:r>
+            <a:r>
+              <a:rPr lang="de-DE" sz="2400" cap="none" dirty="0" err="1">
+                <a:cs typeface="Arial"/>
+              </a:rPr>
+              <a:t>data</a:t>
+            </a:r>
+            <a:endParaRPr lang="de-DE" sz="2400" cap="none" dirty="0">
+              <a:latin typeface="Arial"/>
+              <a:cs typeface="Arial"/>
+            </a:endParaRPr>
+          </a:p>
+        </p:txBody>
+      </p:sp>
+      <p:sp>
+        <p:nvSpPr>
+          <p:cNvPr id="3" name="Untertitel 2"/>
+          <p:cNvSpPr>
+            <a:spLocks noGrp="1"/>
+          </p:cNvSpPr>
+          <p:nvPr>
+            <p:ph type="subTitle" idx="1"/>
+          </p:nvPr>
+        </p:nvSpPr>
+        <p:spPr>
+          <a:xfrm>
+            <a:off x="685800" y="3505200"/>
+            <a:ext cx="8216162" cy="1752600"/>
+          </a:xfrm>
+        </p:spPr>
+        <p:txBody>
+          <a:bodyPr/>
+          <a:lstStyle/>
+          <a:p>
+            <a:r>
+              <a:rPr lang="de-DE" sz="1800" dirty="0"/>
+              <a:t>Ludwig Geistlinger</a:t>
+            </a:r>
+            <a:r>
+              <a:rPr lang="de-DE" dirty="0"/>
+              <a:t>			          	        </a:t>
+            </a:r>
+            <a:r>
+              <a:rPr lang="de-DE" sz="1800" dirty="0">
+                <a:solidFill>
+                  <a:schemeClr val="bg1">
+                    <a:lumMod val="50000"/>
+                  </a:schemeClr>
+                </a:solidFill>
+              </a:rPr>
+              <a:t>Jul 28, 2020</a:t>
+            </a:r>
+          </a:p>
+          <a:p>
+            <a:r>
+              <a:rPr lang="de-DE" sz="1800" dirty="0">
+                <a:solidFill>
+                  <a:schemeClr val="bg1">
+                    <a:lumMod val="50000"/>
+                  </a:schemeClr>
+                </a:solidFill>
+              </a:rPr>
+              <a:t>School </a:t>
+            </a:r>
+            <a:r>
+              <a:rPr lang="de-DE" sz="1800" dirty="0" err="1">
+                <a:solidFill>
+                  <a:schemeClr val="bg1">
+                    <a:lumMod val="50000"/>
+                  </a:schemeClr>
+                </a:solidFill>
+              </a:rPr>
+              <a:t>of</a:t>
+            </a:r>
+            <a:r>
+              <a:rPr lang="de-DE" sz="1800" dirty="0">
+                <a:solidFill>
+                  <a:schemeClr val="bg1">
+                    <a:lumMod val="50000"/>
+                  </a:schemeClr>
+                </a:solidFill>
+              </a:rPr>
+              <a:t> Public </a:t>
+            </a:r>
+            <a:r>
+              <a:rPr lang="de-DE" sz="1800" dirty="0" err="1">
+                <a:solidFill>
+                  <a:schemeClr val="bg1">
+                    <a:lumMod val="50000"/>
+                  </a:schemeClr>
+                </a:solidFill>
+              </a:rPr>
+              <a:t>Health</a:t>
+            </a:r>
+            <a:endParaRPr lang="de-DE" sz="1800" dirty="0">
+              <a:solidFill>
+                <a:schemeClr val="bg1">
+                  <a:lumMod val="50000"/>
+                </a:schemeClr>
+              </a:solidFill>
+            </a:endParaRPr>
+          </a:p>
+          <a:p>
+            <a:r>
+              <a:rPr lang="de-DE" sz="1800" dirty="0">
+                <a:solidFill>
+                  <a:schemeClr val="bg1">
+                    <a:lumMod val="50000"/>
+                  </a:schemeClr>
+                </a:solidFill>
+              </a:rPr>
+              <a:t>City University </a:t>
+            </a:r>
+            <a:r>
+              <a:rPr lang="de-DE" sz="1800" dirty="0" err="1">
+                <a:solidFill>
+                  <a:schemeClr val="bg1">
+                    <a:lumMod val="50000"/>
+                  </a:schemeClr>
+                </a:solidFill>
+              </a:rPr>
+              <a:t>of</a:t>
+            </a:r>
+            <a:r>
+              <a:rPr lang="de-DE" sz="1800" dirty="0">
+                <a:solidFill>
+                  <a:schemeClr val="bg1">
+                    <a:lumMod val="50000"/>
+                  </a:schemeClr>
+                </a:solidFill>
+              </a:rPr>
+              <a:t> New York</a:t>
+            </a:r>
           </a:p>
         </p:txBody>
       </p:sp>
     </p:spTree>
     <p:extLst>
       <p:ext uri="{BB962C8B-B14F-4D97-AF65-F5344CB8AC3E}">
-        <p14:creationId xmlns:p14="http://schemas.microsoft.com/office/powerpoint/2010/main" val="1814108834"/>
+        <p14:creationId xmlns:p14="http://schemas.microsoft.com/office/powerpoint/2010/main" val="3454798678"/>
       </p:ext>
     </p:extLst>
   </p:cSld>
@@ -10238,12 +10332,48 @@
       </p:grpSpPr>
       <p:sp>
         <p:nvSpPr>
-          <p:cNvPr id="2" name="Titel 1"/>
+          <p:cNvPr id="2" name="Title 1">
+            <a:extLst>
+              <a:ext uri="{FF2B5EF4-FFF2-40B4-BE49-F238E27FC236}">
+                <a16:creationId xmlns:a16="http://schemas.microsoft.com/office/drawing/2014/main" id="{136918E8-92C6-CE4F-882B-B49EF2CE396B}"/>
+              </a:ext>
+            </a:extLst>
+          </p:cNvPr>
           <p:cNvSpPr>
             <a:spLocks noGrp="1"/>
           </p:cNvSpPr>
           <p:nvPr>
-            <p:ph type="ctrTitle"/>
+            <p:ph type="title"/>
+          </p:nvPr>
+        </p:nvSpPr>
+        <p:spPr/>
+        <p:txBody>
+          <a:bodyPr>
+            <a:normAutofit/>
+          </a:bodyPr>
+          <a:lstStyle/>
+          <a:p>
+            <a:r>
+              <a:rPr lang="en-US" sz="3200" dirty="0"/>
+              <a:t>Workshop format</a:t>
+            </a:r>
+          </a:p>
+        </p:txBody>
+      </p:sp>
+      <p:sp>
+        <p:nvSpPr>
+          <p:cNvPr id="3" name="Content Placeholder 2">
+            <a:extLst>
+              <a:ext uri="{FF2B5EF4-FFF2-40B4-BE49-F238E27FC236}">
+                <a16:creationId xmlns:a16="http://schemas.microsoft.com/office/drawing/2014/main" id="{24F50B40-B8F3-194B-828D-0A1B3819DF23}"/>
+              </a:ext>
+            </a:extLst>
+          </p:cNvPr>
+          <p:cNvSpPr>
+            <a:spLocks noGrp="1"/>
+          </p:cNvSpPr>
+          <p:nvPr>
+            <p:ph idx="1"/>
           </p:nvPr>
         </p:nvSpPr>
         <p:spPr/>
@@ -10252,216 +10382,148 @@
           <a:lstStyle/>
           <a:p>
             <a:r>
-              <a:rPr lang="de-DE" sz="2400" cap="none" dirty="0" err="1">
-                <a:cs typeface="Arial"/>
-              </a:rPr>
-              <a:t>Functional</a:t>
-            </a:r>
-            <a:r>
-              <a:rPr lang="de-DE" sz="2400" cap="none" dirty="0">
-                <a:cs typeface="Arial"/>
-              </a:rPr>
-              <a:t> </a:t>
-            </a:r>
-            <a:r>
-              <a:rPr lang="de-DE" sz="2400" cap="none" dirty="0" err="1">
-                <a:cs typeface="Arial"/>
-              </a:rPr>
-              <a:t>enrichment</a:t>
-            </a:r>
-            <a:r>
-              <a:rPr lang="de-DE" sz="2400" cap="none" dirty="0">
-                <a:cs typeface="Arial"/>
-              </a:rPr>
-              <a:t> </a:t>
-            </a:r>
-            <a:r>
-              <a:rPr lang="de-DE" sz="2400" cap="none" dirty="0" err="1">
-                <a:cs typeface="Arial"/>
-              </a:rPr>
-              <a:t>analysis</a:t>
-            </a:r>
-            <a:r>
-              <a:rPr lang="de-DE" sz="2400" cap="none" dirty="0">
-                <a:cs typeface="Arial"/>
-              </a:rPr>
-              <a:t> </a:t>
-            </a:r>
-            <a:r>
-              <a:rPr lang="de-DE" sz="2400" cap="none" dirty="0" err="1">
-                <a:cs typeface="Arial"/>
-              </a:rPr>
-              <a:t>of</a:t>
-            </a:r>
-            <a:r>
-              <a:rPr lang="de-DE" sz="2400" cap="none" dirty="0">
-                <a:cs typeface="Arial"/>
-              </a:rPr>
-              <a:t> high-</a:t>
-            </a:r>
-            <a:r>
-              <a:rPr lang="de-DE" sz="2400" cap="none" dirty="0" err="1">
-                <a:cs typeface="Arial"/>
-              </a:rPr>
-              <a:t>throughput</a:t>
-            </a:r>
-            <a:r>
-              <a:rPr lang="de-DE" sz="2400" cap="none" dirty="0">
-                <a:cs typeface="Arial"/>
-              </a:rPr>
-              <a:t> </a:t>
-            </a:r>
-            <a:r>
-              <a:rPr lang="de-DE" sz="2400" cap="none" dirty="0" err="1">
-                <a:cs typeface="Arial"/>
-              </a:rPr>
-              <a:t>omics</a:t>
-            </a:r>
-            <a:r>
-              <a:rPr lang="de-DE" sz="2400" cap="none" dirty="0">
-                <a:cs typeface="Arial"/>
-              </a:rPr>
-              <a:t> </a:t>
-            </a:r>
-            <a:r>
-              <a:rPr lang="de-DE" sz="2400" cap="none" dirty="0" err="1">
-                <a:cs typeface="Arial"/>
-              </a:rPr>
-              <a:t>data</a:t>
-            </a:r>
-            <a:endParaRPr lang="de-DE" sz="2400" cap="none" dirty="0">
-              <a:latin typeface="Arial"/>
-              <a:cs typeface="Arial"/>
+              <a:rPr lang="en-US" sz="2200" dirty="0"/>
+              <a:t>This year: 30 min overview / orientation / demo </a:t>
+            </a:r>
+          </a:p>
+          <a:p>
+            <a:pPr marL="0" indent="0">
+              <a:buNone/>
+            </a:pPr>
+            <a:r>
+              <a:rPr lang="en-US" sz="2200" dirty="0"/>
+              <a:t>  	    + 20 min Q&amp;A</a:t>
+            </a:r>
+          </a:p>
+          <a:p>
+            <a:endParaRPr lang="en-US" dirty="0"/>
+          </a:p>
+          <a:p>
+            <a:r>
+              <a:rPr lang="en-US" sz="2200" dirty="0"/>
+              <a:t>It’s never been so easy to try it out (</a:t>
+            </a:r>
+            <a:r>
+              <a:rPr lang="en-US" sz="2000" dirty="0"/>
+              <a:t>now</a:t>
+            </a:r>
+            <a:r>
+              <a:rPr lang="en-US" sz="2200" dirty="0"/>
+              <a:t> </a:t>
+            </a:r>
+            <a:r>
+              <a:rPr lang="en-US" sz="2000" dirty="0"/>
+              <a:t>+ after conference)</a:t>
+            </a:r>
+          </a:p>
+          <a:p>
+            <a:pPr lvl="1"/>
+            <a:r>
+              <a:rPr lang="en-US" sz="1800" dirty="0"/>
+              <a:t>Website: </a:t>
+            </a:r>
+            <a:r>
+              <a:rPr lang="en-US" sz="1800" u="sng" dirty="0">
+                <a:hlinkClick r:id="rId2"/>
+              </a:rPr>
+              <a:t>https://waldronlab.io/enrichOmics</a:t>
+            </a:r>
+            <a:endParaRPr lang="en-US" sz="1800" u="sng" dirty="0"/>
+          </a:p>
+          <a:p>
+            <a:pPr lvl="1"/>
+            <a:r>
+              <a:rPr lang="en-US" sz="1800" dirty="0"/>
+              <a:t>Workshop live: </a:t>
+            </a:r>
+            <a:r>
+              <a:rPr lang="en-US" sz="1800" u="sng" dirty="0">
+                <a:hlinkClick r:id="rId3"/>
+              </a:rPr>
+              <a:t>http://workshop.bioc.cancerdatasci.org</a:t>
+            </a:r>
+            <a:endParaRPr lang="en-US" sz="1800" dirty="0"/>
+          </a:p>
+          <a:p>
+            <a:pPr marL="274320" lvl="1" indent="0">
+              <a:buNone/>
+            </a:pPr>
+            <a:endParaRPr lang="en-US" sz="1800" dirty="0">
+              <a:hlinkClick r:id="rId4"/>
             </a:endParaRPr>
           </a:p>
-        </p:txBody>
-      </p:sp>
-      <p:sp>
-        <p:nvSpPr>
-          <p:cNvPr id="3" name="Untertitel 2"/>
-          <p:cNvSpPr>
-            <a:spLocks noGrp="1"/>
-          </p:cNvSpPr>
-          <p:nvPr>
-            <p:ph type="subTitle" idx="1"/>
-          </p:nvPr>
-        </p:nvSpPr>
-        <p:spPr>
-          <a:xfrm>
-            <a:off x="685800" y="3505200"/>
-            <a:ext cx="8216162" cy="1752600"/>
-          </a:xfrm>
-        </p:spPr>
-        <p:txBody>
-          <a:bodyPr/>
-          <a:lstStyle/>
-          <a:p>
-            <a:r>
-              <a:rPr lang="de-DE" sz="1800" dirty="0"/>
-              <a:t>Ludwig Geistlinger</a:t>
-            </a:r>
-            <a:r>
-              <a:rPr lang="de-DE" dirty="0"/>
-              <a:t>			          	        </a:t>
-            </a:r>
-            <a:r>
-              <a:rPr lang="de-DE" sz="1800" dirty="0">
-                <a:solidFill>
-                  <a:schemeClr val="bg1">
-                    <a:lumMod val="50000"/>
-                  </a:schemeClr>
-                </a:solidFill>
-              </a:rPr>
-              <a:t>Jul 27, 2020</a:t>
-            </a:r>
-          </a:p>
-          <a:p>
-            <a:r>
-              <a:rPr lang="de-DE" sz="1800" dirty="0">
-                <a:solidFill>
-                  <a:schemeClr val="bg1">
-                    <a:lumMod val="50000"/>
-                  </a:schemeClr>
-                </a:solidFill>
-              </a:rPr>
-              <a:t>School </a:t>
-            </a:r>
-            <a:r>
-              <a:rPr lang="de-DE" sz="1800" dirty="0" err="1">
-                <a:solidFill>
-                  <a:schemeClr val="bg1">
-                    <a:lumMod val="50000"/>
-                  </a:schemeClr>
-                </a:solidFill>
-              </a:rPr>
-              <a:t>of</a:t>
-            </a:r>
-            <a:r>
-              <a:rPr lang="de-DE" sz="1800" dirty="0">
-                <a:solidFill>
-                  <a:schemeClr val="bg1">
-                    <a:lumMod val="50000"/>
-                  </a:schemeClr>
-                </a:solidFill>
-              </a:rPr>
-              <a:t> Public </a:t>
-            </a:r>
-            <a:r>
-              <a:rPr lang="de-DE" sz="1800" dirty="0" err="1">
-                <a:solidFill>
-                  <a:schemeClr val="bg1">
-                    <a:lumMod val="50000"/>
-                  </a:schemeClr>
-                </a:solidFill>
-              </a:rPr>
-              <a:t>Health</a:t>
-            </a:r>
-            <a:endParaRPr lang="de-DE" sz="1800" dirty="0">
-              <a:solidFill>
-                <a:schemeClr val="bg1">
-                  <a:lumMod val="50000"/>
-                </a:schemeClr>
-              </a:solidFill>
-            </a:endParaRPr>
-          </a:p>
-          <a:p>
-            <a:r>
-              <a:rPr lang="de-DE" sz="1800" dirty="0">
-                <a:solidFill>
-                  <a:schemeClr val="bg1">
-                    <a:lumMod val="50000"/>
-                  </a:schemeClr>
-                </a:solidFill>
-              </a:rPr>
-              <a:t>City University </a:t>
-            </a:r>
-            <a:r>
-              <a:rPr lang="de-DE" sz="1800" dirty="0" err="1">
-                <a:solidFill>
-                  <a:schemeClr val="bg1">
-                    <a:lumMod val="50000"/>
-                  </a:schemeClr>
-                </a:solidFill>
-              </a:rPr>
-              <a:t>of</a:t>
-            </a:r>
-            <a:r>
-              <a:rPr lang="de-DE" sz="1800" dirty="0">
-                <a:solidFill>
-                  <a:schemeClr val="bg1">
-                    <a:lumMod val="50000"/>
-                  </a:schemeClr>
-                </a:solidFill>
-              </a:rPr>
-              <a:t> New York</a:t>
-            </a:r>
+          <a:p>
+            <a:pPr lvl="1"/>
+            <a:r>
+              <a:rPr lang="en-US" sz="1800" dirty="0" err="1"/>
+              <a:t>Github</a:t>
+            </a:r>
+            <a:r>
+              <a:rPr lang="en-US" sz="1800" dirty="0"/>
+              <a:t>: </a:t>
+            </a:r>
+            <a:r>
+              <a:rPr lang="en-US" sz="1800" dirty="0">
+                <a:hlinkClick r:id="rId5"/>
+              </a:rPr>
+              <a:t>https://github.com/waldronlab/enrichOmics</a:t>
+            </a:r>
+            <a:endParaRPr lang="en-US" sz="1800" dirty="0"/>
+          </a:p>
+          <a:p>
+            <a:pPr lvl="1"/>
+            <a:r>
+              <a:rPr lang="en-US" sz="1800" dirty="0"/>
+              <a:t>Bioconductor: </a:t>
+            </a:r>
+            <a:r>
+              <a:rPr lang="en-US" sz="1800" dirty="0">
+                <a:hlinkClick r:id="rId6"/>
+              </a:rPr>
+              <a:t>https://bioconductor.org/EnrichmentBrowser</a:t>
+            </a:r>
+            <a:endParaRPr lang="en-US" sz="1800" dirty="0"/>
+          </a:p>
+          <a:p>
+            <a:pPr lvl="1"/>
+            <a:r>
+              <a:rPr lang="en-US" sz="1800" dirty="0"/>
+              <a:t>Email: </a:t>
+            </a:r>
+            <a:r>
+              <a:rPr lang="en-US" sz="1800" dirty="0">
+                <a:hlinkClick r:id="rId7"/>
+              </a:rPr>
+              <a:t>ludwig.geistlinger@sph.cuny.edu</a:t>
+            </a:r>
+            <a:endParaRPr lang="en-US" sz="1800" dirty="0"/>
+          </a:p>
+          <a:p>
+            <a:pPr lvl="1"/>
+            <a:r>
+              <a:rPr lang="en-US" sz="1800" dirty="0"/>
+              <a:t>Slack: community-</a:t>
+            </a:r>
+            <a:r>
+              <a:rPr lang="en-US" sz="1800" dirty="0" err="1"/>
+              <a:t>bioc.slack.com</a:t>
+            </a:r>
+            <a:endParaRPr lang="en-US" sz="1800" dirty="0"/>
+          </a:p>
+          <a:p>
+            <a:pPr lvl="1"/>
+            <a:endParaRPr lang="en-US" sz="1800" dirty="0"/>
+          </a:p>
+          <a:p>
+            <a:pPr lvl="1"/>
+            <a:endParaRPr lang="en-US" dirty="0"/>
           </a:p>
         </p:txBody>
       </p:sp>
     </p:spTree>
     <p:extLst>
       <p:ext uri="{BB962C8B-B14F-4D97-AF65-F5344CB8AC3E}">
-        <p14:creationId xmlns:p14="http://schemas.microsoft.com/office/powerpoint/2010/main" val="3454798678"/>
+        <p14:creationId xmlns:p14="http://schemas.microsoft.com/office/powerpoint/2010/main" val="1814108834"/>
       </p:ext>
     </p:extLst>
   </p:cSld>
